--- a/public/award_first.pptx
+++ b/public/award_first.pptx
@@ -259,7 +259,7 @@
           <a:p>
             <a:fld id="{C7D10932-1787-4F52-973F-5DB5AA972CC5}" type="datetimeFigureOut">
               <a:rPr lang="zh-CN" altLang="en-US" smtClean="0"/>
-              <a:t>2025/2/6</a:t>
+              <a:t>2025/2/9</a:t>
             </a:fld>
             <a:endParaRPr lang="zh-CN" altLang="en-US"/>
           </a:p>
@@ -457,7 +457,7 @@
           <a:p>
             <a:fld id="{C7D10932-1787-4F52-973F-5DB5AA972CC5}" type="datetimeFigureOut">
               <a:rPr lang="zh-CN" altLang="en-US" smtClean="0"/>
-              <a:t>2025/2/6</a:t>
+              <a:t>2025/2/9</a:t>
             </a:fld>
             <a:endParaRPr lang="zh-CN" altLang="en-US"/>
           </a:p>
@@ -665,7 +665,7 @@
           <a:p>
             <a:fld id="{C7D10932-1787-4F52-973F-5DB5AA972CC5}" type="datetimeFigureOut">
               <a:rPr lang="zh-CN" altLang="en-US" smtClean="0"/>
-              <a:t>2025/2/6</a:t>
+              <a:t>2025/2/9</a:t>
             </a:fld>
             <a:endParaRPr lang="zh-CN" altLang="en-US"/>
           </a:p>
@@ -863,7 +863,7 @@
           <a:p>
             <a:fld id="{C7D10932-1787-4F52-973F-5DB5AA972CC5}" type="datetimeFigureOut">
               <a:rPr lang="zh-CN" altLang="en-US" smtClean="0"/>
-              <a:t>2025/2/6</a:t>
+              <a:t>2025/2/9</a:t>
             </a:fld>
             <a:endParaRPr lang="zh-CN" altLang="en-US"/>
           </a:p>
@@ -1138,7 +1138,7 @@
           <a:p>
             <a:fld id="{C7D10932-1787-4F52-973F-5DB5AA972CC5}" type="datetimeFigureOut">
               <a:rPr lang="zh-CN" altLang="en-US" smtClean="0"/>
-              <a:t>2025/2/6</a:t>
+              <a:t>2025/2/9</a:t>
             </a:fld>
             <a:endParaRPr lang="zh-CN" altLang="en-US"/>
           </a:p>
@@ -1403,7 +1403,7 @@
           <a:p>
             <a:fld id="{C7D10932-1787-4F52-973F-5DB5AA972CC5}" type="datetimeFigureOut">
               <a:rPr lang="zh-CN" altLang="en-US" smtClean="0"/>
-              <a:t>2025/2/6</a:t>
+              <a:t>2025/2/9</a:t>
             </a:fld>
             <a:endParaRPr lang="zh-CN" altLang="en-US"/>
           </a:p>
@@ -1815,7 +1815,7 @@
           <a:p>
             <a:fld id="{C7D10932-1787-4F52-973F-5DB5AA972CC5}" type="datetimeFigureOut">
               <a:rPr lang="zh-CN" altLang="en-US" smtClean="0"/>
-              <a:t>2025/2/6</a:t>
+              <a:t>2025/2/9</a:t>
             </a:fld>
             <a:endParaRPr lang="zh-CN" altLang="en-US"/>
           </a:p>
@@ -1956,7 +1956,7 @@
           <a:p>
             <a:fld id="{C7D10932-1787-4F52-973F-5DB5AA972CC5}" type="datetimeFigureOut">
               <a:rPr lang="zh-CN" altLang="en-US" smtClean="0"/>
-              <a:t>2025/2/6</a:t>
+              <a:t>2025/2/9</a:t>
             </a:fld>
             <a:endParaRPr lang="zh-CN" altLang="en-US"/>
           </a:p>
@@ -2069,7 +2069,7 @@
           <a:p>
             <a:fld id="{C7D10932-1787-4F52-973F-5DB5AA972CC5}" type="datetimeFigureOut">
               <a:rPr lang="zh-CN" altLang="en-US" smtClean="0"/>
-              <a:t>2025/2/6</a:t>
+              <a:t>2025/2/9</a:t>
             </a:fld>
             <a:endParaRPr lang="zh-CN" altLang="en-US"/>
           </a:p>
@@ -2380,7 +2380,7 @@
           <a:p>
             <a:fld id="{C7D10932-1787-4F52-973F-5DB5AA972CC5}" type="datetimeFigureOut">
               <a:rPr lang="zh-CN" altLang="en-US" smtClean="0"/>
-              <a:t>2025/2/6</a:t>
+              <a:t>2025/2/9</a:t>
             </a:fld>
             <a:endParaRPr lang="zh-CN" altLang="en-US"/>
           </a:p>
@@ -2668,7 +2668,7 @@
           <a:p>
             <a:fld id="{C7D10932-1787-4F52-973F-5DB5AA972CC5}" type="datetimeFigureOut">
               <a:rPr lang="zh-CN" altLang="en-US" smtClean="0"/>
-              <a:t>2025/2/6</a:t>
+              <a:t>2025/2/9</a:t>
             </a:fld>
             <a:endParaRPr lang="zh-CN" altLang="en-US"/>
           </a:p>
@@ -2909,7 +2909,7 @@
           <a:p>
             <a:fld id="{C7D10932-1787-4F52-973F-5DB5AA972CC5}" type="datetimeFigureOut">
               <a:rPr lang="zh-CN" altLang="en-US" smtClean="0"/>
-              <a:t>2025/2/6</a:t>
+              <a:t>2025/2/9</a:t>
             </a:fld>
             <a:endParaRPr lang="zh-CN" altLang="en-US"/>
           </a:p>
@@ -4659,7 +4659,7 @@
         </p:nvSpPr>
         <p:spPr>
           <a:xfrm>
-            <a:off x="10122358" y="6588927"/>
+            <a:off x="10122357" y="6588927"/>
             <a:ext cx="248786" cy="123111"/>
           </a:xfrm>
           <a:prstGeom prst="rect">
@@ -4690,7 +4690,7 @@
                 <a:latin typeface="方正粗黑宋简体" panose="02000000000000000000" pitchFamily="2" charset="-122"/>
                 <a:ea typeface="方正粗黑宋简体" panose="02000000000000000000" pitchFamily="2" charset="-122"/>
               </a:rPr>
-              <a:t>1/232</a:t>
+              <a:t>1/256</a:t>
             </a:r>
             <a:endParaRPr lang="zh-CN" altLang="en-US" sz="200" dirty="0">
               <a:ln w="0"/>

--- a/public/award_first.pptx
+++ b/public/award_first.pptx
@@ -3776,7 +3776,7 @@
         <p:spPr>
           <a:xfrm>
             <a:off x="1659799" y="2274165"/>
-            <a:ext cx="2399345" cy="0"/>
+            <a:ext cx="3872321" cy="0"/>
           </a:xfrm>
           <a:prstGeom prst="line">
             <a:avLst/>
@@ -3816,7 +3816,7 @@
         </p:nvSpPr>
         <p:spPr>
           <a:xfrm>
-            <a:off x="4215896" y="1857143"/>
+            <a:off x="5580964" y="1837550"/>
             <a:ext cx="1107997" cy="461665"/>
           </a:xfrm>
           <a:prstGeom prst="rect">
@@ -4603,8 +4603,8 @@
         </p:nvSpPr>
         <p:spPr>
           <a:xfrm>
-            <a:off x="2594659" y="1657282"/>
-            <a:ext cx="727957" cy="646331"/>
+            <a:off x="1565284" y="1822087"/>
+            <a:ext cx="4297923" cy="461665"/>
           </a:xfrm>
           <a:prstGeom prst="rect">
             <a:avLst/>
@@ -4618,7 +4618,7 @@
           <a:lstStyle/>
           <a:p>
             <a:r>
-              <a:rPr lang="en-US" altLang="zh-CN" sz="3600" b="1" dirty="0">
+              <a:rPr lang="en-US" altLang="zh-CN" sz="2400" b="1" dirty="0">
                 <a:effectLst>
                   <a:outerShdw blurRad="38100" dist="38100" dir="2700000" algn="tl">
                     <a:srgbClr val="000000">
@@ -4629,9 +4629,37 @@
                 <a:latin typeface="方正粗黑宋简体" panose="02000000000000000000" pitchFamily="2" charset="-122"/>
                 <a:ea typeface="方正粗黑宋简体" panose="02000000000000000000" pitchFamily="2" charset="-122"/>
               </a:rPr>
-              <a:t>4s</a:t>
-            </a:r>
-            <a:endParaRPr lang="zh-CN" altLang="en-US" sz="3600" b="1" dirty="0">
+              <a:t>--------</a:t>
+            </a:r>
+            <a:r>
+              <a:rPr lang="zh-CN" altLang="en-US" sz="2400" b="1" dirty="0">
+                <a:effectLst>
+                  <a:outerShdw blurRad="38100" dist="38100" dir="2700000" algn="tl">
+                    <a:srgbClr val="000000">
+                      <a:alpha val="43137"/>
+                    </a:srgbClr>
+                  </a:outerShdw>
+                </a:effectLst>
+                <a:latin typeface="方正粗黑宋简体" panose="02000000000000000000" pitchFamily="2" charset="-122"/>
+                <a:ea typeface="方正粗黑宋简体" panose="02000000000000000000" pitchFamily="2" charset="-122"/>
+              </a:rPr>
+              <a:t>金牌线</a:t>
+            </a:r>
+            <a:r>
+              <a:rPr lang="en-US" altLang="zh-CN" sz="2400" b="1" dirty="0">
+                <a:effectLst>
+                  <a:outerShdw blurRad="38100" dist="38100" dir="2700000" algn="tl">
+                    <a:srgbClr val="000000">
+                      <a:alpha val="43137"/>
+                    </a:srgbClr>
+                  </a:outerShdw>
+                </a:effectLst>
+                <a:latin typeface="方正粗黑宋简体" panose="02000000000000000000" pitchFamily="2" charset="-122"/>
+                <a:ea typeface="方正粗黑宋简体" panose="02000000000000000000" pitchFamily="2" charset="-122"/>
+              </a:rPr>
+              <a:t>--------</a:t>
+            </a:r>
+            <a:endParaRPr lang="zh-CN" altLang="en-US" sz="2400" b="1" dirty="0">
               <a:effectLst>
                 <a:outerShdw blurRad="38100" dist="38100" dir="2700000" algn="tl">
                   <a:srgbClr val="000000">
